--- a/Suicidal_Ideation.pptx
+++ b/Suicidal_Ideation.pptx
@@ -8,7 +8,7 @@
     <p:notesMasterId r:id="rId6"/>
   </p:notesMasterIdLst>
   <p:handoutMasterIdLst>
-    <p:handoutMasterId r:id="rId20"/>
+    <p:handoutMasterId r:id="rId21"/>
   </p:handoutMasterIdLst>
   <p:sldIdLst>
     <p:sldId id="260" r:id="rId3"/>
@@ -27,11 +27,12 @@
     <p:sldId id="357" r:id="rId17"/>
     <p:sldId id="359" r:id="rId18"/>
     <p:sldId id="360" r:id="rId19"/>
+    <p:sldId id="369" r:id="rId20"/>
   </p:sldIdLst>
   <p:sldSz cx="12192000" cy="6858000"/>
   <p:notesSz cx="6858000" cy="9144000"/>
   <p:custDataLst>
-    <p:tags r:id="rId24"/>
+    <p:tags r:id="rId25"/>
   </p:custDataLst>
   <p:defaultTextStyle>
     <a:defPPr>
@@ -19893,6 +19894,56 @@
       </p:par>
     </p:tnLst>
   </p:timing>
+</p:sld>
+</file>
+
+<file path=ppt/slides/slide17.xml><?xml version="1.0" encoding="utf-8"?>
+<p:sld xmlns:a="http://schemas.openxmlformats.org/drawingml/2006/main" xmlns:r="http://schemas.openxmlformats.org/officeDocument/2006/relationships" xmlns:p="http://schemas.openxmlformats.org/presentationml/2006/main">
+  <p:cSld>
+    <p:bg>
+      <p:bgPr>
+        <a:blipFill rotWithShape="1">
+          <a:blip r:embed="rId1"/>
+          <a:stretch>
+            <a:fillRect/>
+          </a:stretch>
+        </a:blipFill>
+        <a:effectLst/>
+      </p:bgPr>
+    </p:bg>
+    <p:spTree>
+      <p:nvGrpSpPr>
+        <p:cNvPr id="1" name=""/>
+        <p:cNvGrpSpPr/>
+        <p:nvPr/>
+      </p:nvGrpSpPr>
+      <p:grpSpPr/>
+      <p:sp>
+        <p:nvSpPr>
+          <p:cNvPr id="4" name="Slide Number Placeholder 3"/>
+          <p:cNvSpPr>
+            <a:spLocks noGrp="1"/>
+          </p:cNvSpPr>
+          <p:nvPr>
+            <p:ph type="sldNum" sz="quarter" idx="12"/>
+          </p:nvPr>
+        </p:nvSpPr>
+        <p:spPr/>
+        <p:txBody>
+          <a:bodyPr/>
+          <a:p>
+            <a:fld id="{98C37ADA-FE03-4EF7-8F15-3521BBE76F4D}" type="slidenum">
+              <a:rPr lang="en-US" smtClean="0"/>
+            </a:fld>
+            <a:endParaRPr lang="en-US"/>
+          </a:p>
+        </p:txBody>
+      </p:sp>
+    </p:spTree>
+  </p:cSld>
+  <p:clrMapOvr>
+    <a:masterClrMapping/>
+  </p:clrMapOvr>
 </p:sld>
 </file>
 
